--- a/science/GPSslides.pptx
+++ b/science/GPSslides.pptx
@@ -7191,8 +7191,8 @@
           </a:p>
         </p:txBody>
       </p:sp>
-      <mc:AlternateContent xmlns:mc="http://schemas.openxmlformats.org/markup-compatibility/2006" xmlns:a14="http://schemas.microsoft.com/office/drawing/2010/main">
-        <mc:Choice Requires="a14">
+      <mc:AlternateContent xmlns:mc="http://schemas.openxmlformats.org/markup-compatibility/2006">
+        <mc:Choice xmlns:a14="http://schemas.microsoft.com/office/drawing/2010/main" Requires="a14">
           <p:sp>
             <p:nvSpPr>
               <p:cNvPr id="15" name="TextBox 14">
@@ -7254,17 +7254,46 @@
                 </a:r>
                 <a14:m>
                   <m:oMath xmlns:m="http://schemas.openxmlformats.org/officeDocument/2006/math">
-                    <m:r>
-                      <a:rPr lang="en-US" sz="2000" i="1" smtClean="0">
-                        <a:solidFill>
-                          <a:srgbClr val="000000"/>
-                        </a:solidFill>
-                        <a:latin typeface="Cambria Math" panose="02040503050406030204" pitchFamily="18" charset="0"/>
-                        <a:ea typeface="Cambria Math" panose="02040503050406030204" pitchFamily="18" charset="0"/>
-                        <a:sym typeface="Calibri"/>
-                      </a:rPr>
-                      <m:t>𝜌</m:t>
-                    </m:r>
+                    <m:sSup>
+                      <m:sSupPr>
+                        <m:ctrlPr>
+                          <a:rPr lang="en-US" sz="2000" i="1" smtClean="0">
+                            <a:solidFill>
+                              <a:srgbClr val="000000"/>
+                            </a:solidFill>
+                            <a:latin typeface="Cambria Math" panose="02040503050406030204" pitchFamily="18" charset="0"/>
+                            <a:ea typeface="Cambria Math" panose="02040503050406030204" pitchFamily="18" charset="0"/>
+                            <a:sym typeface="Calibri"/>
+                          </a:rPr>
+                        </m:ctrlPr>
+                      </m:sSupPr>
+                      <m:e>
+                        <m:r>
+                          <a:rPr lang="en-US" sz="2000" i="1" smtClean="0">
+                            <a:solidFill>
+                              <a:srgbClr val="000000"/>
+                            </a:solidFill>
+                            <a:latin typeface="Cambria Math" panose="02040503050406030204" pitchFamily="18" charset="0"/>
+                            <a:ea typeface="Cambria Math" panose="02040503050406030204" pitchFamily="18" charset="0"/>
+                            <a:sym typeface="Calibri"/>
+                          </a:rPr>
+                          <m:t>𝜌</m:t>
+                        </m:r>
+                      </m:e>
+                      <m:sup>
+                        <m:r>
+                          <a:rPr lang="en-US" sz="2000" b="0" i="1" smtClean="0">
+                            <a:solidFill>
+                              <a:srgbClr val="000000"/>
+                            </a:solidFill>
+                            <a:latin typeface="Cambria Math" panose="02040503050406030204" pitchFamily="18" charset="0"/>
+                            <a:ea typeface="Cambria Math" panose="02040503050406030204" pitchFamily="18" charset="0"/>
+                            <a:sym typeface="Calibri"/>
+                          </a:rPr>
+                          <m:t>𝑘</m:t>
+                        </m:r>
+                      </m:sup>
+                    </m:sSup>
                     <m:r>
                       <a:rPr lang="en-US" sz="2000" b="0" i="1" smtClean="0">
                         <a:solidFill>
@@ -7721,6 +7750,28 @@
                         </m:sSup>
                       </m:e>
                     </m:rad>
+                    <m:r>
+                      <a:rPr lang="en-US" sz="2000" b="0" i="1" smtClean="0">
+                        <a:solidFill>
+                          <a:srgbClr val="000000"/>
+                        </a:solidFill>
+                        <a:latin typeface="Cambria Math" panose="02040503050406030204" pitchFamily="18" charset="0"/>
+                        <a:ea typeface="Cambria Math" panose="02040503050406030204" pitchFamily="18" charset="0"/>
+                        <a:sym typeface="Calibri"/>
+                      </a:rPr>
+                      <m:t>−</m:t>
+                    </m:r>
+                    <m:r>
+                      <a:rPr lang="en-US" sz="2000" b="0" i="1" smtClean="0">
+                        <a:solidFill>
+                          <a:srgbClr val="000000"/>
+                        </a:solidFill>
+                        <a:latin typeface="Cambria Math" panose="02040503050406030204" pitchFamily="18" charset="0"/>
+                        <a:ea typeface="Cambria Math" panose="02040503050406030204" pitchFamily="18" charset="0"/>
+                        <a:sym typeface="Calibri"/>
+                      </a:rPr>
+                      <m:t>𝑏𝑐</m:t>
+                    </m:r>
                   </m:oMath>
                 </a14:m>
                 <a:endParaRPr lang="en-US" sz="2000" dirty="0">
@@ -7744,7 +7795,7 @@
                     <a:ea typeface="Cambria Math" panose="02040503050406030204" pitchFamily="18" charset="0"/>
                     <a:sym typeface="Calibri"/>
                   </a:rPr>
-                  <a:t>Need to account for skew between satellite clocks and receiver clock. b is receivers clock bias</a:t>
+                  <a:t>Need to account for skew between satellite clocks and receiver clock. b is receiver’s clock bias</a:t>
                 </a:r>
               </a:p>
               <a:p>
@@ -7855,7 +7906,7 @@
             </p:txBody>
           </p:sp>
         </mc:Choice>
-        <mc:Fallback xmlns="">
+        <mc:Fallback>
           <p:sp>
             <p:nvSpPr>
               <p:cNvPr id="15" name="TextBox 14">
@@ -8123,8 +8174,8 @@
           </a:p>
         </p:txBody>
       </p:sp>
-      <mc:AlternateContent xmlns:mc="http://schemas.openxmlformats.org/markup-compatibility/2006">
-        <mc:Choice xmlns:a14="http://schemas.microsoft.com/office/drawing/2010/main" Requires="a14">
+      <mc:AlternateContent xmlns:mc="http://schemas.openxmlformats.org/markup-compatibility/2006" xmlns:a14="http://schemas.microsoft.com/office/drawing/2010/main">
+        <mc:Choice Requires="a14">
           <p:sp>
             <p:nvSpPr>
               <p:cNvPr id="15" name="TextBox 14">
@@ -9864,7 +9915,7 @@
             </p:txBody>
           </p:sp>
         </mc:Choice>
-        <mc:Fallback>
+        <mc:Fallback xmlns="">
           <p:sp>
             <p:nvSpPr>
               <p:cNvPr id="15" name="TextBox 14">
@@ -19321,7 +19372,7 @@
           </a:ln>
           <a:extLst>
             <a:ext uri="{C572A759-6A51-4108-AA02-DFA0A04FC94B}">
-              <ma14:wrappingTextBoxFlag xmlns="" xmlns:ma14="http://schemas.microsoft.com/office/mac/drawingml/2011/main" val="1"/>
+              <ma14:wrappingTextBoxFlag xmlns:ma14="http://schemas.microsoft.com/office/mac/drawingml/2011/main" xmlns="" val="1"/>
             </a:ext>
           </a:extLst>
         </p:spPr>

--- a/science/GPSslides.pptx
+++ b/science/GPSslides.pptx
@@ -249,7 +249,7 @@
           <a:p>
             <a:fld id="{26F46478-05F9-F045-89EA-038EDD9F390D}" type="datetimeFigureOut">
               <a:rPr lang="en-US" smtClean="0"/>
-              <a:t>9/23/22</a:t>
+              <a:t>9/29/22</a:t>
             </a:fld>
             <a:endParaRPr lang="en-US"/>
           </a:p>
@@ -426,7 +426,7 @@
           <a:p>
             <a:fld id="{F4220ECC-4507-1945-9DD6-ECA7311228A6}" type="datetimeFigureOut">
               <a:rPr lang="en-US" smtClean="0"/>
-              <a:t>9/23/22</a:t>
+              <a:t>9/29/22</a:t>
             </a:fld>
             <a:endParaRPr lang="en-US"/>
           </a:p>
@@ -2072,7 +2072,7 @@
           <a:p>
             <a:fld id="{3F1B8D97-2CF1-2843-A93A-FA70B47820D7}" type="datetime1">
               <a:rPr lang="en-US" smtClean="0"/>
-              <a:t>9/23/22</a:t>
+              <a:t>9/29/22</a:t>
             </a:fld>
             <a:endParaRPr lang="en-US"/>
           </a:p>
@@ -2287,7 +2287,7 @@
           <a:p>
             <a:fld id="{5191583D-FA0F-5F4A-AB1B-E07A2D92C65B}" type="datetime1">
               <a:rPr lang="en-US" smtClean="0"/>
-              <a:t>9/23/22</a:t>
+              <a:t>9/29/22</a:t>
             </a:fld>
             <a:endParaRPr lang="en-US"/>
           </a:p>
@@ -2503,7 +2503,7 @@
           <a:p>
             <a:fld id="{2FDDC09D-AD0E-3E48-A609-693E720C3CF7}" type="datetime1">
               <a:rPr lang="en-US" smtClean="0"/>
-              <a:t>9/23/22</a:t>
+              <a:t>9/29/22</a:t>
             </a:fld>
             <a:endParaRPr lang="en-US"/>
           </a:p>
@@ -2709,7 +2709,7 @@
           <a:p>
             <a:fld id="{44DEDD7F-80F0-3941-B0FC-ED47EDA8FFB0}" type="datetime1">
               <a:rPr lang="en-US" smtClean="0"/>
-              <a:t>9/23/22</a:t>
+              <a:t>9/29/22</a:t>
             </a:fld>
             <a:endParaRPr lang="en-US"/>
           </a:p>
@@ -3001,7 +3001,7 @@
           <a:p>
             <a:fld id="{50671D74-80A3-0B45-82A6-BD1B155E5BD0}" type="datetime1">
               <a:rPr lang="en-US" smtClean="0"/>
-              <a:t>9/23/22</a:t>
+              <a:t>9/29/22</a:t>
             </a:fld>
             <a:endParaRPr lang="en-US"/>
           </a:p>
@@ -3274,7 +3274,7 @@
           <a:p>
             <a:fld id="{74C833ED-5242-E14D-BA60-8624882653CD}" type="datetime1">
               <a:rPr lang="en-US" smtClean="0"/>
-              <a:t>9/23/22</a:t>
+              <a:t>9/29/22</a:t>
             </a:fld>
             <a:endParaRPr lang="en-US"/>
           </a:p>
@@ -3694,7 +3694,7 @@
           <a:p>
             <a:fld id="{A611C7C2-57B9-0748-8767-6C52B68F8363}" type="datetime1">
               <a:rPr lang="en-US" smtClean="0"/>
-              <a:t>9/23/22</a:t>
+              <a:t>9/29/22</a:t>
             </a:fld>
             <a:endParaRPr lang="en-US"/>
           </a:p>
@@ -3843,7 +3843,7 @@
           <a:p>
             <a:fld id="{4931262B-B4F6-9E41-8DDD-BA420FD6B0A6}" type="datetime1">
               <a:rPr lang="en-US" smtClean="0"/>
-              <a:t>9/23/22</a:t>
+              <a:t>9/29/22</a:t>
             </a:fld>
             <a:endParaRPr lang="en-US"/>
           </a:p>
@@ -3964,7 +3964,7 @@
           <a:p>
             <a:fld id="{8907FEBE-53FC-164F-A441-895CAD833D53}" type="datetime1">
               <a:rPr lang="en-US" smtClean="0"/>
-              <a:t>9/23/22</a:t>
+              <a:t>9/29/22</a:t>
             </a:fld>
             <a:endParaRPr lang="en-US"/>
           </a:p>
@@ -4283,7 +4283,7 @@
           <a:p>
             <a:fld id="{02C1CB25-27CA-1448-BC28-6E4321DE018B}" type="datetime1">
               <a:rPr lang="en-US" smtClean="0"/>
-              <a:t>9/23/22</a:t>
+              <a:t>9/29/22</a:t>
             </a:fld>
             <a:endParaRPr lang="en-US"/>
           </a:p>
@@ -4579,7 +4579,7 @@
           <a:p>
             <a:fld id="{3DCCD2CD-E0E1-1146-A61F-5D818F988B78}" type="datetime1">
               <a:rPr lang="en-US" smtClean="0"/>
-              <a:t>9/23/22</a:t>
+              <a:t>9/29/22</a:t>
             </a:fld>
             <a:endParaRPr lang="en-US"/>
           </a:p>
@@ -4828,7 +4828,7 @@
           <a:p>
             <a:fld id="{C04DA28B-AB05-F24F-B6B3-60730936FBDB}" type="datetime1">
               <a:rPr lang="en-US" smtClean="0"/>
-              <a:t>9/23/22</a:t>
+              <a:t>9/29/22</a:t>
             </a:fld>
             <a:endParaRPr lang="en-US"/>
           </a:p>
@@ -5429,8 +5429,8 @@
           </a:p>
         </p:txBody>
       </p:sp>
-      <mc:AlternateContent xmlns:mc="http://schemas.openxmlformats.org/markup-compatibility/2006">
-        <mc:Choice xmlns:a14="http://schemas.microsoft.com/office/drawing/2010/main" Requires="a14">
+      <mc:AlternateContent xmlns:mc="http://schemas.openxmlformats.org/markup-compatibility/2006" xmlns:a14="http://schemas.microsoft.com/office/drawing/2010/main">
+        <mc:Choice Requires="a14">
           <p:sp>
             <p:nvSpPr>
               <p:cNvPr id="15" name="TextBox 14">
@@ -7116,7 +7116,7 @@
             </p:txBody>
           </p:sp>
         </mc:Choice>
-        <mc:Fallback>
+        <mc:Fallback xmlns="">
           <p:sp>
             <p:nvSpPr>
               <p:cNvPr id="15" name="TextBox 14">
@@ -8114,8 +8114,8 @@
           </a:p>
         </p:txBody>
       </p:sp>
-      <mc:AlternateContent xmlns:mc="http://schemas.openxmlformats.org/markup-compatibility/2006">
-        <mc:Choice xmlns:a14="http://schemas.microsoft.com/office/drawing/2010/main" Requires="a14">
+      <mc:AlternateContent xmlns:mc="http://schemas.openxmlformats.org/markup-compatibility/2006" xmlns:a14="http://schemas.microsoft.com/office/drawing/2010/main">
+        <mc:Choice Requires="a14">
           <p:sp>
             <p:nvSpPr>
               <p:cNvPr id="15" name="TextBox 14">
@@ -8829,7 +8829,7 @@
             </p:txBody>
           </p:sp>
         </mc:Choice>
-        <mc:Fallback>
+        <mc:Fallback xmlns="">
           <p:sp>
             <p:nvSpPr>
               <p:cNvPr id="15" name="TextBox 14">
@@ -13588,7 +13588,7 @@
               <a:rPr lang="en-US" sz="2400" dirty="0">
                 <a:effectLst/>
               </a:rPr>
-              <a:t>The ITU’s definition of “interference” is: </a:t>
+              <a:t>The ITU’s definition of “interference” is</a:t>
             </a:r>
             <a:endParaRPr lang="en-US" sz="2800" dirty="0"/>
           </a:p>
@@ -13649,7 +13649,13 @@
               <a:rPr lang="en-US" sz="2400" dirty="0">
                 <a:effectLst/>
               </a:rPr>
-              <a:t>definition of “harmful interference” (ITU) : </a:t>
+              <a:t>definition of “harmful interference” (</a:t>
+            </a:r>
+            <a:r>
+              <a:rPr lang="en-US" sz="2400">
+                <a:effectLst/>
+              </a:rPr>
+              <a:t>ITU)</a:t>
             </a:r>
             <a:endParaRPr lang="en-US" sz="2800" dirty="0"/>
           </a:p>
@@ -13713,7 +13719,7 @@
               <a:rPr lang="en-US" sz="2400" dirty="0">
                 <a:effectLst/>
               </a:rPr>
-              <a:t>These international regulations also include two related terms: </a:t>
+              <a:t>These international regulations also include two related terms</a:t>
             </a:r>
             <a:endParaRPr lang="en-US" sz="2800" dirty="0"/>
           </a:p>
@@ -13743,10 +13749,6 @@
             </a:r>
           </a:p>
           <a:p>
-            <a:pPr marL="285750" indent="-285750">
-              <a:buFont typeface="Arial" panose="020B0604020202020204" pitchFamily="34" charset="0"/>
-              <a:buChar char="•"/>
-            </a:pPr>
             <a:r>
               <a:rPr lang="en-US" sz="2400" dirty="0">
                 <a:solidFill>
@@ -18070,8 +18072,8 @@
           </a:p>
         </p:txBody>
       </p:sp>
-      <mc:AlternateContent xmlns:mc="http://schemas.openxmlformats.org/markup-compatibility/2006">
-        <mc:Choice xmlns:a14="http://schemas.microsoft.com/office/drawing/2010/main" Requires="a14">
+      <mc:AlternateContent xmlns:mc="http://schemas.openxmlformats.org/markup-compatibility/2006" xmlns:a14="http://schemas.microsoft.com/office/drawing/2010/main">
+        <mc:Choice Requires="a14">
           <p:sp>
             <p:nvSpPr>
               <p:cNvPr id="3" name="Content Placeholder 2">
@@ -18280,7 +18282,7 @@
             </p:txBody>
           </p:sp>
         </mc:Choice>
-        <mc:Fallback>
+        <mc:Fallback xmlns="">
           <p:sp>
             <p:nvSpPr>
               <p:cNvPr id="3" name="Content Placeholder 2">
@@ -22663,7 +22665,7 @@
           </a:ln>
           <a:extLst>
             <a:ext uri="{C572A759-6A51-4108-AA02-DFA0A04FC94B}">
-              <ma14:wrappingTextBoxFlag xmlns="" xmlns:ma14="http://schemas.microsoft.com/office/mac/drawingml/2011/main" val="1"/>
+              <ma14:wrappingTextBoxFlag xmlns:ma14="http://schemas.microsoft.com/office/mac/drawingml/2011/main" xmlns="" val="1"/>
             </a:ext>
           </a:extLst>
         </p:spPr>
@@ -23435,8 +23437,8 @@
           </a:p>
         </p:txBody>
       </p:sp>
-      <mc:AlternateContent xmlns:mc="http://schemas.openxmlformats.org/markup-compatibility/2006">
-        <mc:Choice xmlns:a14="http://schemas.microsoft.com/office/drawing/2010/main" Requires="a14">
+      <mc:AlternateContent xmlns:mc="http://schemas.openxmlformats.org/markup-compatibility/2006" xmlns:a14="http://schemas.microsoft.com/office/drawing/2010/main">
+        <mc:Choice Requires="a14">
           <p:sp>
             <p:nvSpPr>
               <p:cNvPr id="15" name="TextBox 14">
@@ -23816,7 +23818,7 @@
             </p:txBody>
           </p:sp>
         </mc:Choice>
-        <mc:Fallback>
+        <mc:Fallback xmlns="">
           <p:sp>
             <p:nvSpPr>
               <p:cNvPr id="15" name="TextBox 14">
@@ -24084,8 +24086,8 @@
           </a:p>
         </p:txBody>
       </p:sp>
-      <mc:AlternateContent xmlns:mc="http://schemas.openxmlformats.org/markup-compatibility/2006">
-        <mc:Choice xmlns:a14="http://schemas.microsoft.com/office/drawing/2010/main" Requires="a14">
+      <mc:AlternateContent xmlns:mc="http://schemas.openxmlformats.org/markup-compatibility/2006" xmlns:a14="http://schemas.microsoft.com/office/drawing/2010/main">
+        <mc:Choice Requires="a14">
           <p:sp>
             <p:nvSpPr>
               <p:cNvPr id="15" name="TextBox 14">
@@ -24731,7 +24733,7 @@
             </p:txBody>
           </p:sp>
         </mc:Choice>
-        <mc:Fallback>
+        <mc:Fallback xmlns="">
           <p:sp>
             <p:nvSpPr>
               <p:cNvPr id="15" name="TextBox 14">
@@ -24901,8 +24903,8 @@
           </a:p>
         </p:txBody>
       </p:sp>
-      <mc:AlternateContent xmlns:mc="http://schemas.openxmlformats.org/markup-compatibility/2006">
-        <mc:Choice xmlns:a14="http://schemas.microsoft.com/office/drawing/2010/main" Requires="a14">
+      <mc:AlternateContent xmlns:mc="http://schemas.openxmlformats.org/markup-compatibility/2006" xmlns:a14="http://schemas.microsoft.com/office/drawing/2010/main">
+        <mc:Choice Requires="a14">
           <p:sp>
             <p:nvSpPr>
               <p:cNvPr id="2" name="TextBox 1">
@@ -25038,7 +25040,7 @@
             </p:txBody>
           </p:sp>
         </mc:Choice>
-        <mc:Fallback>
+        <mc:Fallback xmlns="">
           <p:sp>
             <p:nvSpPr>
               <p:cNvPr id="2" name="TextBox 1">
